--- a/Презентация.pptx
+++ b/Презентация.pptx
@@ -276,7 +276,7 @@
   </p:defaultTextStyle>
   <p:extLst>
     <p:ext uri="{EFAFB233-063F-42B5-8137-9DF3F51BA10A}">
-      <p15:sldGuideLst xmlns:p15="http://schemas.microsoft.com/office/powerpoint/2012/main" xmlns:p14="http://schemas.microsoft.com/office/powerpoint/2010/main" xmlns:com="http://schemas.openxmlformats.org/drawingml/2006/compatibility" xmlns:pvml="urn:schemas-microsoft-com:office:powerpoint" xmlns:v="urn:schemas-microsoft-com:vml" xmlns:o="urn:schemas-microsoft-com:office:office" xmlns:dgm="http://schemas.openxmlformats.org/drawingml/2006/diagram" xmlns:c="http://schemas.openxmlformats.org/drawingml/2006/chart" xmlns:mv="urn:schemas-microsoft-com:mac:vml" xmlns:mc="http://schemas.openxmlformats.org/markup-compatibility/2006" xmlns="">
+      <p15:sldGuideLst xmlns="" xmlns:mc="http://schemas.openxmlformats.org/markup-compatibility/2006" xmlns:mv="urn:schemas-microsoft-com:mac:vml" xmlns:c="http://schemas.openxmlformats.org/drawingml/2006/chart" xmlns:dgm="http://schemas.openxmlformats.org/drawingml/2006/diagram" xmlns:o="urn:schemas-microsoft-com:office:office" xmlns:v="urn:schemas-microsoft-com:vml" xmlns:pvml="urn:schemas-microsoft-com:office:powerpoint" xmlns:com="http://schemas.openxmlformats.org/drawingml/2006/compatibility" xmlns:p14="http://schemas.microsoft.com/office/powerpoint/2010/main" xmlns:p15="http://schemas.microsoft.com/office/powerpoint/2012/main">
         <p15:guide id="1" orient="horz" pos="2160">
           <p15:clr>
             <a:srgbClr val="A4A3A4"/>
@@ -4564,7 +4564,7 @@
         <p:fade/>
       </p:transition>
     </mc:Choice>
-    <mc:Fallback xmlns:p15="http://schemas.microsoft.com/office/powerpoint/2012/main" xmlns:com="http://schemas.openxmlformats.org/drawingml/2006/compatibility" xmlns:pvml="urn:schemas-microsoft-com:office:powerpoint" xmlns:v="urn:schemas-microsoft-com:vml" xmlns:o="urn:schemas-microsoft-com:office:office" xmlns:dgm="http://schemas.openxmlformats.org/drawingml/2006/diagram" xmlns:c="http://schemas.openxmlformats.org/drawingml/2006/chart" xmlns:mv="urn:schemas-microsoft-com:mac:vml" xmlns="">
+    <mc:Fallback xmlns="" xmlns:mv="urn:schemas-microsoft-com:mac:vml" xmlns:c="http://schemas.openxmlformats.org/drawingml/2006/chart" xmlns:dgm="http://schemas.openxmlformats.org/drawingml/2006/diagram" xmlns:o="urn:schemas-microsoft-com:office:office" xmlns:v="urn:schemas-microsoft-com:vml" xmlns:pvml="urn:schemas-microsoft-com:office:powerpoint" xmlns:com="http://schemas.openxmlformats.org/drawingml/2006/compatibility" xmlns:p15="http://schemas.microsoft.com/office/powerpoint/2012/main">
       <p:transition spd="slow">
         <p:fade/>
       </p:transition>
@@ -5867,7 +5867,7 @@
         <p:fade/>
       </p:transition>
     </mc:Choice>
-    <mc:Fallback xmlns:p15="http://schemas.microsoft.com/office/powerpoint/2012/main" xmlns:com="http://schemas.openxmlformats.org/drawingml/2006/compatibility" xmlns:pvml="urn:schemas-microsoft-com:office:powerpoint" xmlns:v="urn:schemas-microsoft-com:vml" xmlns:o="urn:schemas-microsoft-com:office:office" xmlns:dgm="http://schemas.openxmlformats.org/drawingml/2006/diagram" xmlns:c="http://schemas.openxmlformats.org/drawingml/2006/chart" xmlns:mv="urn:schemas-microsoft-com:mac:vml" xmlns="">
+    <mc:Fallback xmlns="" xmlns:mv="urn:schemas-microsoft-com:mac:vml" xmlns:c="http://schemas.openxmlformats.org/drawingml/2006/chart" xmlns:dgm="http://schemas.openxmlformats.org/drawingml/2006/diagram" xmlns:o="urn:schemas-microsoft-com:office:office" xmlns:v="urn:schemas-microsoft-com:vml" xmlns:pvml="urn:schemas-microsoft-com:office:powerpoint" xmlns:com="http://schemas.openxmlformats.org/drawingml/2006/compatibility" xmlns:p15="http://schemas.microsoft.com/office/powerpoint/2012/main">
       <p:transition spd="slow">
         <p:fade/>
       </p:transition>
@@ -9051,7 +9051,7 @@
         <p:fade/>
       </p:transition>
     </mc:Choice>
-    <mc:Fallback xmlns:p15="http://schemas.microsoft.com/office/powerpoint/2012/main" xmlns:com="http://schemas.openxmlformats.org/drawingml/2006/compatibility" xmlns:pvml="urn:schemas-microsoft-com:office:powerpoint" xmlns:v="urn:schemas-microsoft-com:vml" xmlns:o="urn:schemas-microsoft-com:office:office" xmlns:dgm="http://schemas.openxmlformats.org/drawingml/2006/diagram" xmlns:c="http://schemas.openxmlformats.org/drawingml/2006/chart" xmlns:mv="urn:schemas-microsoft-com:mac:vml" xmlns="">
+    <mc:Fallback xmlns="" xmlns:mv="urn:schemas-microsoft-com:mac:vml" xmlns:c="http://schemas.openxmlformats.org/drawingml/2006/chart" xmlns:dgm="http://schemas.openxmlformats.org/drawingml/2006/diagram" xmlns:o="urn:schemas-microsoft-com:office:office" xmlns:v="urn:schemas-microsoft-com:vml" xmlns:pvml="urn:schemas-microsoft-com:office:powerpoint" xmlns:com="http://schemas.openxmlformats.org/drawingml/2006/compatibility" xmlns:p15="http://schemas.microsoft.com/office/powerpoint/2012/main">
       <p:transition spd="slow">
         <p:fade/>
       </p:transition>
@@ -14416,7 +14416,7 @@
       </p:sp>
       <p:pic>
         <p:nvPicPr>
-          <p:cNvPr id="4098" name="Picture 2" descr="C:\Users\lonkonpetr\Desktop\12.png"/>
+          <p:cNvPr id="1026" name="Picture 2"/>
           <p:cNvPicPr>
             <a:picLocks noChangeAspect="1" noChangeArrowheads="1"/>
           </p:cNvPicPr>
@@ -14437,20 +14437,43 @@
         </p:blipFill>
         <p:spPr bwMode="auto">
           <a:xfrm>
-            <a:off x="2956187" y="1331055"/>
-            <a:ext cx="6296026" cy="4686301"/>
+            <a:off x="2941638" y="1085850"/>
+            <a:ext cx="6305550" cy="4686300"/>
           </a:xfrm>
           <a:prstGeom prst="rect">
             <a:avLst/>
           </a:prstGeom>
           <a:noFill/>
+          <a:ln>
+            <a:noFill/>
+          </a:ln>
+          <a:effectLst/>
           <a:extLst>
             <a:ext uri="{909E8E84-426E-40DD-AFC4-6F175D3DCCD1}">
               <a14:hiddenFill xmlns:a14="http://schemas.microsoft.com/office/drawing/2010/main">
                 <a:solidFill>
-                  <a:srgbClr val="FFFFFF"/>
+                  <a:schemeClr val="accent1"/>
                 </a:solidFill>
               </a14:hiddenFill>
+            </a:ext>
+            <a:ext uri="{91240B29-F687-4F45-9708-019B960494DF}">
+              <a14:hiddenLine xmlns:a14="http://schemas.microsoft.com/office/drawing/2010/main" w="9525">
+                <a:solidFill>
+                  <a:schemeClr val="tx1"/>
+                </a:solidFill>
+                <a:miter lim="800000"/>
+                <a:headEnd/>
+                <a:tailEnd/>
+              </a14:hiddenLine>
+            </a:ext>
+            <a:ext uri="{AF507438-7753-43E0-B8FC-AC1667EBCBE1}">
+              <a14:hiddenEffects xmlns:a14="http://schemas.microsoft.com/office/drawing/2010/main">
+                <a:effectLst>
+                  <a:outerShdw dist="35921" dir="2700000" algn="ctr" rotWithShape="0">
+                    <a:schemeClr val="bg2"/>
+                  </a:outerShdw>
+                </a:effectLst>
+              </a14:hiddenEffects>
             </a:ext>
           </a:extLst>
         </p:spPr>
